--- a/Syllabus/Lecture04/Lec04.pptx
+++ b/Syllabus/Lecture04/Lec04.pptx
@@ -287,7 +287,7 @@
           <a:p>
             <a:fld id="{DF9C6931-D0F6-AB40-9D7F-95567148A5C2}" type="datetimeFigureOut">
               <a:rPr lang="en-US" smtClean="0"/>
-              <a:t>9/2/2021</a:t>
+              <a:t>9/6/2021</a:t>
             </a:fld>
             <a:endParaRPr lang="en-US"/>
           </a:p>
@@ -464,7 +464,7 @@
           <a:p>
             <a:fld id="{736C18F2-6801-5147-A332-A6E1C7D69D18}" type="datetimeFigureOut">
               <a:rPr lang="en-US" smtClean="0"/>
-              <a:t>9/2/2021</a:t>
+              <a:t>9/6/2021</a:t>
             </a:fld>
             <a:endParaRPr lang="en-US"/>
           </a:p>
@@ -14987,7 +14987,7 @@
         </p:nvSpPr>
         <p:spPr>
           <a:xfrm>
-            <a:off x="521776" y="1382233"/>
+            <a:off x="312770" y="1203702"/>
             <a:ext cx="11277600" cy="4176000"/>
           </a:xfrm>
           <a:prstGeom prst="rect">
